--- a/Nuclear_Fuel_Performance/NE533_Spring2022/MOOSE/Project_Part2.pptx
+++ b/Nuclear_Fuel_Performance/NE533_Spring2022/MOOSE/Project_Part2.pptx
@@ -300,7 +300,7 @@
             </a:pPr>
             <a:fld id="{D6F3A803-A045-354B-887A-01433CE46FC2}" type="datetime1">
               <a:rPr lang="en-US" smtClean="0"/>
-              <a:t>4/6/22</a:t>
+              <a:t>3/7/23</a:t>
             </a:fld>
             <a:endParaRPr lang="en-US"/>
           </a:p>
@@ -493,7 +493,7 @@
             </a:pPr>
             <a:fld id="{A8B33C1D-C2E2-1049-AA3F-CD6E91052752}" type="datetime1">
               <a:rPr lang="en-US" smtClean="0"/>
-              <a:t>4/6/22</a:t>
+              <a:t>3/7/23</a:t>
             </a:fld>
             <a:endParaRPr lang="en-US"/>
           </a:p>
@@ -695,7 +695,7 @@
             </a:pPr>
             <a:fld id="{2791AD68-B60C-4542-BDDD-2074DE6DE828}" type="datetime1">
               <a:rPr lang="en-US" smtClean="0"/>
-              <a:t>4/6/22</a:t>
+              <a:t>3/7/23</a:t>
             </a:fld>
             <a:endParaRPr lang="en-US"/>
           </a:p>
@@ -894,7 +894,7 @@
             </a:pPr>
             <a:fld id="{C5BD04BF-9DC2-6341-92B2-BD109A2EF3B1}" type="datetime1">
               <a:rPr lang="en-US" smtClean="0"/>
-              <a:t>4/6/22</a:t>
+              <a:t>3/7/23</a:t>
             </a:fld>
             <a:endParaRPr lang="en-US"/>
           </a:p>
@@ -1164,7 +1164,7 @@
             </a:pPr>
             <a:fld id="{FB0FFBC7-3028-644D-986B-D9855CB74B38}" type="datetime1">
               <a:rPr lang="en-US" smtClean="0"/>
-              <a:t>4/6/22</a:t>
+              <a:t>3/7/23</a:t>
             </a:fld>
             <a:endParaRPr lang="en-US"/>
           </a:p>
@@ -1475,7 +1475,7 @@
             </a:pPr>
             <a:fld id="{2C3B8AE4-01F5-CC42-9C62-61BC6528368B}" type="datetime1">
               <a:rPr lang="en-US" smtClean="0"/>
-              <a:t>4/6/22</a:t>
+              <a:t>3/7/23</a:t>
             </a:fld>
             <a:endParaRPr lang="en-US"/>
           </a:p>
@@ -1918,7 +1918,7 @@
             </a:pPr>
             <a:fld id="{77E49314-4A78-2444-9569-44EB70168344}" type="datetime1">
               <a:rPr lang="en-US" smtClean="0"/>
-              <a:t>4/6/22</a:t>
+              <a:t>3/7/23</a:t>
             </a:fld>
             <a:endParaRPr lang="en-US"/>
           </a:p>
@@ -2059,7 +2059,7 @@
             </a:pPr>
             <a:fld id="{5BC22837-4683-B242-B000-BCEE30621787}" type="datetime1">
               <a:rPr lang="en-US" smtClean="0"/>
-              <a:t>4/6/22</a:t>
+              <a:t>3/7/23</a:t>
             </a:fld>
             <a:endParaRPr lang="en-US"/>
           </a:p>
@@ -2178,7 +2178,7 @@
             </a:pPr>
             <a:fld id="{DCDAE926-7EF1-0B40-B57E-417D188A609C}" type="datetime1">
               <a:rPr lang="en-US" smtClean="0"/>
-              <a:t>4/6/22</a:t>
+              <a:t>3/7/23</a:t>
             </a:fld>
             <a:endParaRPr lang="en-US"/>
           </a:p>
@@ -2477,7 +2477,7 @@
             </a:pPr>
             <a:fld id="{518D107B-B9C7-5B41-A168-55258AB95F52}" type="datetime1">
               <a:rPr lang="en-US" smtClean="0"/>
-              <a:t>4/6/22</a:t>
+              <a:t>3/7/23</a:t>
             </a:fld>
             <a:endParaRPr lang="en-US"/>
           </a:p>
@@ -2761,7 +2761,7 @@
             </a:pPr>
             <a:fld id="{3AD92D36-EE82-3142-B011-9831FB5E702F}" type="datetime1">
               <a:rPr lang="en-US" smtClean="0"/>
-              <a:t>4/6/22</a:t>
+              <a:t>3/7/23</a:t>
             </a:fld>
             <a:endParaRPr lang="en-US"/>
           </a:p>
@@ -2902,7 +2902,7 @@
               </a14:hiddenLine>
             </a:ext>
             <a:ext uri="{FAA26D3D-D897-4be2-8F04-BA451C77F1D7}">
-              <ma14:placeholderFlag xmlns:ma14="http://schemas.microsoft.com/office/mac/drawingml/2011/main" xmlns="" val="1"/>
+              <ma14:placeholderFlag xmlns="" xmlns:ma14="http://schemas.microsoft.com/office/mac/drawingml/2011/main" val="1"/>
             </a:ext>
           </a:extLst>
         </p:spPr>
@@ -2970,7 +2970,7 @@
               </a14:hiddenLine>
             </a:ext>
             <a:ext uri="{FAA26D3D-D897-4be2-8F04-BA451C77F1D7}">
-              <ma14:placeholderFlag xmlns:ma14="http://schemas.microsoft.com/office/mac/drawingml/2011/main" xmlns="" val="1"/>
+              <ma14:placeholderFlag xmlns="" xmlns:ma14="http://schemas.microsoft.com/office/mac/drawingml/2011/main" val="1"/>
             </a:ext>
           </a:extLst>
         </p:spPr>
@@ -3066,7 +3066,7 @@
             </a:pPr>
             <a:fld id="{3EE08B4B-7256-494F-A90D-3891BD685F4A}" type="datetime1">
               <a:rPr lang="en-US" smtClean="0"/>
-              <a:t>4/6/22</a:t>
+              <a:t>3/7/23</a:t>
             </a:fld>
             <a:endParaRPr lang="en-US" dirty="0"/>
           </a:p>
@@ -4189,7 +4189,7 @@
         <p:spPr>
           <a:xfrm>
             <a:off x="667872" y="1968501"/>
-            <a:ext cx="7726433" cy="3970318"/>
+            <a:ext cx="7726433" cy="3693319"/>
           </a:xfrm>
           <a:prstGeom prst="rect">
             <a:avLst/>
@@ -4306,10 +4306,10 @@
                 <a:ea typeface="+mn-ea"/>
                 <a:cs typeface="+mn-cs"/>
               </a:rPr>
-              <a:t>Utilize axial T</a:t>
-            </a:r>
-            <a:r>
-              <a:rPr kumimoji="0" lang="en-US" sz="1800" b="0" i="0" u="none" strike="noStrike" kern="1200" cap="none" spc="0" normalizeH="0" baseline="-25000" noProof="0" dirty="0">
+              <a:t>Utilize axial </a:t>
+            </a:r>
+            <a:r>
+              <a:rPr kumimoji="0" lang="en-US" sz="1800" b="0" i="0" u="none" strike="noStrike" kern="1200" cap="none" spc="0" normalizeH="0" baseline="0" noProof="0" dirty="0" err="1">
                 <a:ln>
                   <a:noFill/>
                 </a:ln>
@@ -4323,7 +4323,7 @@
                 <a:ea typeface="+mn-ea"/>
                 <a:cs typeface="+mn-cs"/>
               </a:rPr>
-              <a:t>c</a:t>
+              <a:t>T</a:t>
             </a:r>
             <a:r>
               <a:rPr kumimoji="0" lang="en-US" sz="1800" b="0" i="0" u="none" strike="noStrike" kern="1200" cap="none" spc="0" normalizeH="0" baseline="-25000" noProof="0" dirty="0" err="1">
@@ -4340,7 +4340,7 @@
                 <a:ea typeface="+mn-ea"/>
                 <a:cs typeface="+mn-cs"/>
               </a:rPr>
-              <a:t>ool</a:t>
+              <a:t>cool</a:t>
             </a:r>
             <a:r>
               <a:rPr kumimoji="0" lang="en-US" sz="1800" b="0" i="0" u="none" strike="noStrike" kern="1200" cap="none" spc="0" normalizeH="0" baseline="0" noProof="0" dirty="0">
@@ -4425,7 +4425,7 @@
                 <a:ea typeface="+mn-ea"/>
                 <a:cs typeface="+mn-cs"/>
               </a:rPr>
-              <a:t>= 400 K, reasonable flow rate, heat capacity, etc.</a:t>
+              <a:t>= 500 K, reasonable flow rate, heat capacity, etc.</a:t>
             </a:r>
           </a:p>
           <a:p>
@@ -4495,7 +4495,7 @@
                 <a:ea typeface="+mn-ea"/>
                 <a:cs typeface="+mn-cs"/>
               </a:rPr>
-              <a:t>=150 W/cm</a:t>
+              <a:t>=350 W/cm</a:t>
             </a:r>
           </a:p>
           <a:p>
@@ -4673,21 +4673,9 @@
             </a:r>
           </a:p>
           <a:p>
-            <a:pPr marL="742950" marR="0" lvl="1" indent="-285750" algn="l" defTabSz="914400" rtl="0" eaLnBrk="1" fontAlgn="auto" latinLnBrk="0" hangingPunct="1">
-              <a:lnSpc>
-                <a:spcPct val="100000"/>
-              </a:lnSpc>
-              <a:spcBef>
-                <a:spcPts val="0"/>
-              </a:spcBef>
-              <a:spcAft>
-                <a:spcPts val="0"/>
-              </a:spcAft>
-              <a:buClrTx/>
-              <a:buSzTx/>
+            <a:pPr marL="742950" lvl="1" indent="-285750">
               <a:buFont typeface="Arial" panose="020B0604020202020204" pitchFamily="34" charset="0"/>
               <a:buChar char="•"/>
-              <a:tabLst/>
               <a:defRPr/>
             </a:pPr>
             <a:r>
@@ -4705,43 +4693,7 @@
                 <a:ea typeface="+mn-ea"/>
                 <a:cs typeface="+mn-cs"/>
               </a:rPr>
-              <a:t>Transient: Volumetric/Areal heating rate</a:t>
-            </a:r>
-          </a:p>
-          <a:p>
-            <a:pPr marL="914400" marR="0" lvl="2" indent="0" algn="l" defTabSz="914400" rtl="0" eaLnBrk="1" fontAlgn="auto" latinLnBrk="0" hangingPunct="1">
-              <a:lnSpc>
-                <a:spcPct val="100000"/>
-              </a:lnSpc>
-              <a:spcBef>
-                <a:spcPts val="0"/>
-              </a:spcBef>
-              <a:spcAft>
-                <a:spcPts val="0"/>
-              </a:spcAft>
-              <a:buClrTx/>
-              <a:buSzTx/>
-              <a:buFontTx/>
-              <a:buNone/>
-              <a:tabLst/>
-              <a:defRPr/>
-            </a:pPr>
-            <a:r>
-              <a:rPr kumimoji="0" lang="en-US" sz="1800" b="0" i="0" u="none" strike="noStrike" kern="1200" cap="none" spc="0" normalizeH="0" baseline="0" noProof="0" dirty="0">
-                <a:ln>
-                  <a:noFill/>
-                </a:ln>
-                <a:solidFill>
-                  <a:prstClr val="black"/>
-                </a:solidFill>
-                <a:effectLst/>
-                <a:uLnTx/>
-                <a:uFillTx/>
-                <a:latin typeface="Calibri"/>
-                <a:ea typeface="+mn-ea"/>
-                <a:cs typeface="+mn-cs"/>
-              </a:rPr>
-              <a:t>LHR</a:t>
+              <a:t>Transient: LHR</a:t>
             </a:r>
             <a:r>
               <a:rPr kumimoji="0" lang="en-US" sz="1800" b="0" i="0" u="none" strike="noStrike" kern="1200" cap="none" spc="0" normalizeH="0" baseline="30000" noProof="0" dirty="0">
@@ -4775,41 +4727,16 @@
                 <a:ea typeface="+mn-ea"/>
                 <a:cs typeface="+mn-cs"/>
               </a:rPr>
-              <a:t>(t) = LHR</a:t>
-            </a:r>
-            <a:r>
-              <a:rPr kumimoji="0" lang="en-US" sz="1800" b="0" i="0" u="none" strike="noStrike" kern="1200" cap="none" spc="0" normalizeH="0" baseline="30000" noProof="0" dirty="0">
-                <a:ln>
-                  <a:noFill/>
-                </a:ln>
+              <a:t> = 5</a:t>
+            </a:r>
+            <a:r>
+              <a:rPr lang="en-US" dirty="0">
                 <a:solidFill>
                   <a:prstClr val="black"/>
                 </a:solidFill>
-                <a:effectLst/>
-                <a:uLnTx/>
-                <a:uFillTx/>
                 <a:latin typeface="Calibri"/>
-                <a:ea typeface="+mn-ea"/>
-                <a:cs typeface="+mn-cs"/>
               </a:rPr>
-              <a:t>0</a:t>
-            </a:r>
-            <a:r>
-              <a:rPr kumimoji="0" lang="en-US" sz="1800" b="0" i="0" u="none" strike="noStrike" kern="1200" cap="none" spc="0" normalizeH="0" baseline="0" noProof="0" dirty="0">
-                <a:ln>
-                  <a:noFill/>
-                </a:ln>
-                <a:solidFill>
-                  <a:prstClr val="black"/>
-                </a:solidFill>
-                <a:effectLst/>
-                <a:uLnTx/>
-                <a:uFillTx/>
-                <a:latin typeface="Calibri"/>
-                <a:ea typeface="+mn-ea"/>
-                <a:cs typeface="+mn-cs"/>
-              </a:rPr>
-              <a:t>*(1-EXP(-0.1*time))+50 for up to t=100</a:t>
+              <a:t>00*[(t/100)^0.5]*[(1-(t/100))^4] + 150</a:t>
             </a:r>
           </a:p>
           <a:p>
